--- a/HRS_PresentationSlide.pptx
+++ b/HRS_PresentationSlide.pptx
@@ -7,6 +7,7 @@
   <p:sldIdLst>
     <p:sldId id="256" r:id="rId2"/>
     <p:sldId id="257" r:id="rId3"/>
+    <p:sldId id="258" r:id="rId4"/>
   </p:sldIdLst>
   <p:sldSz cx="12192000" cy="6858000"/>
   <p:notesSz cx="6858000" cy="9144000"/>
@@ -835,7 +836,7 @@
           <a:p>
             <a:fld id="{57E1E2ED-4B90-4C0C-B0DE-D33A7E89E0CC}" type="datetimeFigureOut">
               <a:rPr lang="en-US" smtClean="0"/>
-              <a:t>3/22/2019</a:t>
+              <a:t>3/24/2019</a:t>
             </a:fld>
             <a:endParaRPr lang="en-US"/>
           </a:p>
@@ -1086,7 +1087,7 @@
           <a:p>
             <a:fld id="{57E1E2ED-4B90-4C0C-B0DE-D33A7E89E0CC}" type="datetimeFigureOut">
               <a:rPr lang="en-US" smtClean="0"/>
-              <a:t>3/22/2019</a:t>
+              <a:t>3/24/2019</a:t>
             </a:fld>
             <a:endParaRPr lang="en-US"/>
           </a:p>
@@ -1400,7 +1401,7 @@
           <a:p>
             <a:fld id="{57E1E2ED-4B90-4C0C-B0DE-D33A7E89E0CC}" type="datetimeFigureOut">
               <a:rPr lang="en-US" smtClean="0"/>
-              <a:t>3/22/2019</a:t>
+              <a:t>3/24/2019</a:t>
             </a:fld>
             <a:endParaRPr lang="en-US"/>
           </a:p>
@@ -1741,7 +1742,7 @@
           <a:p>
             <a:fld id="{57E1E2ED-4B90-4C0C-B0DE-D33A7E89E0CC}" type="datetimeFigureOut">
               <a:rPr lang="en-US" smtClean="0"/>
-              <a:t>3/22/2019</a:t>
+              <a:t>3/24/2019</a:t>
             </a:fld>
             <a:endParaRPr lang="en-US"/>
           </a:p>
@@ -2055,7 +2056,7 @@
           <a:p>
             <a:fld id="{57E1E2ED-4B90-4C0C-B0DE-D33A7E89E0CC}" type="datetimeFigureOut">
               <a:rPr lang="en-US" smtClean="0"/>
-              <a:t>3/22/2019</a:t>
+              <a:t>3/24/2019</a:t>
             </a:fld>
             <a:endParaRPr lang="en-US"/>
           </a:p>
@@ -2448,7 +2449,7 @@
           <a:p>
             <a:fld id="{57E1E2ED-4B90-4C0C-B0DE-D33A7E89E0CC}" type="datetimeFigureOut">
               <a:rPr lang="en-US" smtClean="0"/>
-              <a:t>3/22/2019</a:t>
+              <a:t>3/24/2019</a:t>
             </a:fld>
             <a:endParaRPr lang="en-US"/>
           </a:p>
@@ -2618,7 +2619,7 @@
           <a:p>
             <a:fld id="{57E1E2ED-4B90-4C0C-B0DE-D33A7E89E0CC}" type="datetimeFigureOut">
               <a:rPr lang="en-US" smtClean="0"/>
-              <a:t>3/22/2019</a:t>
+              <a:t>3/24/2019</a:t>
             </a:fld>
             <a:endParaRPr lang="en-US"/>
           </a:p>
@@ -2798,7 +2799,7 @@
           <a:p>
             <a:fld id="{57E1E2ED-4B90-4C0C-B0DE-D33A7E89E0CC}" type="datetimeFigureOut">
               <a:rPr lang="en-US" smtClean="0"/>
-              <a:t>3/22/2019</a:t>
+              <a:t>3/24/2019</a:t>
             </a:fld>
             <a:endParaRPr lang="en-US"/>
           </a:p>
@@ -2974,7 +2975,7 @@
           <a:p>
             <a:fld id="{57E1E2ED-4B90-4C0C-B0DE-D33A7E89E0CC}" type="datetimeFigureOut">
               <a:rPr lang="en-US" smtClean="0"/>
-              <a:t>3/22/2019</a:t>
+              <a:t>3/24/2019</a:t>
             </a:fld>
             <a:endParaRPr lang="en-US"/>
           </a:p>
@@ -3221,7 +3222,7 @@
           <a:p>
             <a:fld id="{57E1E2ED-4B90-4C0C-B0DE-D33A7E89E0CC}" type="datetimeFigureOut">
               <a:rPr lang="en-US" smtClean="0"/>
-              <a:t>3/22/2019</a:t>
+              <a:t>3/24/2019</a:t>
             </a:fld>
             <a:endParaRPr lang="en-US"/>
           </a:p>
@@ -3453,7 +3454,7 @@
           <a:p>
             <a:fld id="{57E1E2ED-4B90-4C0C-B0DE-D33A7E89E0CC}" type="datetimeFigureOut">
               <a:rPr lang="en-US" smtClean="0"/>
-              <a:t>3/22/2019</a:t>
+              <a:t>3/24/2019</a:t>
             </a:fld>
             <a:endParaRPr lang="en-US"/>
           </a:p>
@@ -3827,7 +3828,7 @@
           <a:p>
             <a:fld id="{57E1E2ED-4B90-4C0C-B0DE-D33A7E89E0CC}" type="datetimeFigureOut">
               <a:rPr lang="en-US" smtClean="0"/>
-              <a:t>3/22/2019</a:t>
+              <a:t>3/24/2019</a:t>
             </a:fld>
             <a:endParaRPr lang="en-US"/>
           </a:p>
@@ -3950,7 +3951,7 @@
           <a:p>
             <a:fld id="{57E1E2ED-4B90-4C0C-B0DE-D33A7E89E0CC}" type="datetimeFigureOut">
               <a:rPr lang="en-US" smtClean="0"/>
-              <a:t>3/22/2019</a:t>
+              <a:t>3/24/2019</a:t>
             </a:fld>
             <a:endParaRPr lang="en-US"/>
           </a:p>
@@ -4045,7 +4046,7 @@
           <a:p>
             <a:fld id="{57E1E2ED-4B90-4C0C-B0DE-D33A7E89E0CC}" type="datetimeFigureOut">
               <a:rPr lang="en-US" smtClean="0"/>
-              <a:t>3/22/2019</a:t>
+              <a:t>3/24/2019</a:t>
             </a:fld>
             <a:endParaRPr lang="en-US"/>
           </a:p>
@@ -4300,7 +4301,7 @@
           <a:p>
             <a:fld id="{57E1E2ED-4B90-4C0C-B0DE-D33A7E89E0CC}" type="datetimeFigureOut">
               <a:rPr lang="en-US" smtClean="0"/>
-              <a:t>3/22/2019</a:t>
+              <a:t>3/24/2019</a:t>
             </a:fld>
             <a:endParaRPr lang="en-US"/>
           </a:p>
@@ -4563,7 +4564,7 @@
           <a:p>
             <a:fld id="{57E1E2ED-4B90-4C0C-B0DE-D33A7E89E0CC}" type="datetimeFigureOut">
               <a:rPr lang="en-US" smtClean="0"/>
-              <a:t>3/22/2019</a:t>
+              <a:t>3/24/2019</a:t>
             </a:fld>
             <a:endParaRPr lang="en-US"/>
           </a:p>
@@ -5306,7 +5307,7 @@
           <a:p>
             <a:fld id="{57E1E2ED-4B90-4C0C-B0DE-D33A7E89E0CC}" type="datetimeFigureOut">
               <a:rPr lang="en-US" smtClean="0"/>
-              <a:t>3/22/2019</a:t>
+              <a:t>3/24/2019</a:t>
             </a:fld>
             <a:endParaRPr lang="en-US"/>
           </a:p>
@@ -6029,6 +6030,108 @@
 </p:sld>
 </file>
 
+<file path=ppt/slides/slide3.xml><?xml version="1.0" encoding="utf-8"?>
+<p:sld xmlns:a="http://schemas.openxmlformats.org/drawingml/2006/main" xmlns:r="http://schemas.openxmlformats.org/officeDocument/2006/relationships" xmlns:p="http://schemas.openxmlformats.org/presentationml/2006/main">
+  <p:cSld>
+    <p:spTree>
+      <p:nvGrpSpPr>
+        <p:cNvPr id="1" name=""/>
+        <p:cNvGrpSpPr/>
+        <p:nvPr/>
+      </p:nvGrpSpPr>
+      <p:grpSpPr>
+        <a:xfrm>
+          <a:off x="0" y="0"/>
+          <a:ext cx="0" cy="0"/>
+          <a:chOff x="0" y="0"/>
+          <a:chExt cx="0" cy="0"/>
+        </a:xfrm>
+      </p:grpSpPr>
+      <p:sp>
+        <p:nvSpPr>
+          <p:cNvPr id="2" name="Title 1">
+            <a:extLst>
+              <a:ext uri="{FF2B5EF4-FFF2-40B4-BE49-F238E27FC236}">
+                <a16:creationId xmlns:a16="http://schemas.microsoft.com/office/drawing/2014/main" id="{DBD910FF-637A-4622-B0D0-5C18C2A440A8}"/>
+              </a:ext>
+            </a:extLst>
+          </p:cNvPr>
+          <p:cNvSpPr>
+            <a:spLocks noGrp="1"/>
+          </p:cNvSpPr>
+          <p:nvPr>
+            <p:ph type="title"/>
+          </p:nvPr>
+        </p:nvSpPr>
+        <p:spPr/>
+        <p:txBody>
+          <a:bodyPr/>
+          <a:lstStyle/>
+          <a:p>
+            <a:r>
+              <a:rPr lang="en-US" dirty="0"/>
+              <a:t>Aims</a:t>
+            </a:r>
+            <a:br>
+              <a:rPr lang="en-US" dirty="0"/>
+            </a:br>
+            <a:endParaRPr lang="en-US" dirty="0"/>
+          </a:p>
+        </p:txBody>
+      </p:sp>
+      <p:sp>
+        <p:nvSpPr>
+          <p:cNvPr id="3" name="Content Placeholder 2">
+            <a:extLst>
+              <a:ext uri="{FF2B5EF4-FFF2-40B4-BE49-F238E27FC236}">
+                <a16:creationId xmlns:a16="http://schemas.microsoft.com/office/drawing/2014/main" id="{2A86E8C3-DAE8-4A2E-80B0-4086F8D739A0}"/>
+              </a:ext>
+            </a:extLst>
+          </p:cNvPr>
+          <p:cNvSpPr>
+            <a:spLocks noGrp="1"/>
+          </p:cNvSpPr>
+          <p:nvPr>
+            <p:ph idx="1"/>
+          </p:nvPr>
+        </p:nvSpPr>
+        <p:spPr/>
+        <p:txBody>
+          <a:bodyPr/>
+          <a:lstStyle/>
+          <a:p>
+            <a:pPr marL="0" indent="0">
+              <a:buNone/>
+            </a:pPr>
+            <a:r>
+              <a:rPr lang="en-US" dirty="0"/>
+              <a:t>It’s very challenging and time consuming to find the properties </a:t>
+            </a:r>
+          </a:p>
+          <a:p>
+            <a:pPr marL="0" indent="0">
+              <a:buNone/>
+            </a:pPr>
+            <a:r>
+              <a:rPr lang="en-US" dirty="0"/>
+              <a:t>Explain??</a:t>
+            </a:r>
+          </a:p>
+        </p:txBody>
+      </p:sp>
+    </p:spTree>
+    <p:extLst>
+      <p:ext uri="{BB962C8B-B14F-4D97-AF65-F5344CB8AC3E}">
+        <p14:creationId xmlns:p14="http://schemas.microsoft.com/office/powerpoint/2010/main" val="2871434127"/>
+      </p:ext>
+    </p:extLst>
+  </p:cSld>
+  <p:clrMapOvr>
+    <a:masterClrMapping/>
+  </p:clrMapOvr>
+</p:sld>
+</file>
+
 <file path=ppt/theme/theme1.xml><?xml version="1.0" encoding="utf-8"?>
 <a:theme xmlns:a="http://schemas.openxmlformats.org/drawingml/2006/main" name="Facet">
   <a:themeElements>

--- a/HRS_PresentationSlide.pptx
+++ b/HRS_PresentationSlide.pptx
@@ -8,6 +8,7 @@
     <p:sldId id="256" r:id="rId2"/>
     <p:sldId id="257" r:id="rId3"/>
     <p:sldId id="258" r:id="rId4"/>
+    <p:sldId id="259" r:id="rId5"/>
   </p:sldIdLst>
   <p:sldSz cx="12192000" cy="6858000"/>
   <p:notesSz cx="6858000" cy="9144000"/>
@@ -836,7 +837,7 @@
           <a:p>
             <a:fld id="{57E1E2ED-4B90-4C0C-B0DE-D33A7E89E0CC}" type="datetimeFigureOut">
               <a:rPr lang="en-US" smtClean="0"/>
-              <a:t>3/24/2019</a:t>
+              <a:t>4/1/2019</a:t>
             </a:fld>
             <a:endParaRPr lang="en-US"/>
           </a:p>
@@ -1087,7 +1088,7 @@
           <a:p>
             <a:fld id="{57E1E2ED-4B90-4C0C-B0DE-D33A7E89E0CC}" type="datetimeFigureOut">
               <a:rPr lang="en-US" smtClean="0"/>
-              <a:t>3/24/2019</a:t>
+              <a:t>4/1/2019</a:t>
             </a:fld>
             <a:endParaRPr lang="en-US"/>
           </a:p>
@@ -1401,7 +1402,7 @@
           <a:p>
             <a:fld id="{57E1E2ED-4B90-4C0C-B0DE-D33A7E89E0CC}" type="datetimeFigureOut">
               <a:rPr lang="en-US" smtClean="0"/>
-              <a:t>3/24/2019</a:t>
+              <a:t>4/1/2019</a:t>
             </a:fld>
             <a:endParaRPr lang="en-US"/>
           </a:p>
@@ -1742,7 +1743,7 @@
           <a:p>
             <a:fld id="{57E1E2ED-4B90-4C0C-B0DE-D33A7E89E0CC}" type="datetimeFigureOut">
               <a:rPr lang="en-US" smtClean="0"/>
-              <a:t>3/24/2019</a:t>
+              <a:t>4/1/2019</a:t>
             </a:fld>
             <a:endParaRPr lang="en-US"/>
           </a:p>
@@ -2056,7 +2057,7 @@
           <a:p>
             <a:fld id="{57E1E2ED-4B90-4C0C-B0DE-D33A7E89E0CC}" type="datetimeFigureOut">
               <a:rPr lang="en-US" smtClean="0"/>
-              <a:t>3/24/2019</a:t>
+              <a:t>4/1/2019</a:t>
             </a:fld>
             <a:endParaRPr lang="en-US"/>
           </a:p>
@@ -2449,7 +2450,7 @@
           <a:p>
             <a:fld id="{57E1E2ED-4B90-4C0C-B0DE-D33A7E89E0CC}" type="datetimeFigureOut">
               <a:rPr lang="en-US" smtClean="0"/>
-              <a:t>3/24/2019</a:t>
+              <a:t>4/1/2019</a:t>
             </a:fld>
             <a:endParaRPr lang="en-US"/>
           </a:p>
@@ -2619,7 +2620,7 @@
           <a:p>
             <a:fld id="{57E1E2ED-4B90-4C0C-B0DE-D33A7E89E0CC}" type="datetimeFigureOut">
               <a:rPr lang="en-US" smtClean="0"/>
-              <a:t>3/24/2019</a:t>
+              <a:t>4/1/2019</a:t>
             </a:fld>
             <a:endParaRPr lang="en-US"/>
           </a:p>
@@ -2799,7 +2800,7 @@
           <a:p>
             <a:fld id="{57E1E2ED-4B90-4C0C-B0DE-D33A7E89E0CC}" type="datetimeFigureOut">
               <a:rPr lang="en-US" smtClean="0"/>
-              <a:t>3/24/2019</a:t>
+              <a:t>4/1/2019</a:t>
             </a:fld>
             <a:endParaRPr lang="en-US"/>
           </a:p>
@@ -2975,7 +2976,7 @@
           <a:p>
             <a:fld id="{57E1E2ED-4B90-4C0C-B0DE-D33A7E89E0CC}" type="datetimeFigureOut">
               <a:rPr lang="en-US" smtClean="0"/>
-              <a:t>3/24/2019</a:t>
+              <a:t>4/1/2019</a:t>
             </a:fld>
             <a:endParaRPr lang="en-US"/>
           </a:p>
@@ -3222,7 +3223,7 @@
           <a:p>
             <a:fld id="{57E1E2ED-4B90-4C0C-B0DE-D33A7E89E0CC}" type="datetimeFigureOut">
               <a:rPr lang="en-US" smtClean="0"/>
-              <a:t>3/24/2019</a:t>
+              <a:t>4/1/2019</a:t>
             </a:fld>
             <a:endParaRPr lang="en-US"/>
           </a:p>
@@ -3454,7 +3455,7 @@
           <a:p>
             <a:fld id="{57E1E2ED-4B90-4C0C-B0DE-D33A7E89E0CC}" type="datetimeFigureOut">
               <a:rPr lang="en-US" smtClean="0"/>
-              <a:t>3/24/2019</a:t>
+              <a:t>4/1/2019</a:t>
             </a:fld>
             <a:endParaRPr lang="en-US"/>
           </a:p>
@@ -3828,7 +3829,7 @@
           <a:p>
             <a:fld id="{57E1E2ED-4B90-4C0C-B0DE-D33A7E89E0CC}" type="datetimeFigureOut">
               <a:rPr lang="en-US" smtClean="0"/>
-              <a:t>3/24/2019</a:t>
+              <a:t>4/1/2019</a:t>
             </a:fld>
             <a:endParaRPr lang="en-US"/>
           </a:p>
@@ -3951,7 +3952,7 @@
           <a:p>
             <a:fld id="{57E1E2ED-4B90-4C0C-B0DE-D33A7E89E0CC}" type="datetimeFigureOut">
               <a:rPr lang="en-US" smtClean="0"/>
-              <a:t>3/24/2019</a:t>
+              <a:t>4/1/2019</a:t>
             </a:fld>
             <a:endParaRPr lang="en-US"/>
           </a:p>
@@ -4046,7 +4047,7 @@
           <a:p>
             <a:fld id="{57E1E2ED-4B90-4C0C-B0DE-D33A7E89E0CC}" type="datetimeFigureOut">
               <a:rPr lang="en-US" smtClean="0"/>
-              <a:t>3/24/2019</a:t>
+              <a:t>4/1/2019</a:t>
             </a:fld>
             <a:endParaRPr lang="en-US"/>
           </a:p>
@@ -4301,7 +4302,7 @@
           <a:p>
             <a:fld id="{57E1E2ED-4B90-4C0C-B0DE-D33A7E89E0CC}" type="datetimeFigureOut">
               <a:rPr lang="en-US" smtClean="0"/>
-              <a:t>3/24/2019</a:t>
+              <a:t>4/1/2019</a:t>
             </a:fld>
             <a:endParaRPr lang="en-US"/>
           </a:p>
@@ -4564,7 +4565,7 @@
           <a:p>
             <a:fld id="{57E1E2ED-4B90-4C0C-B0DE-D33A7E89E0CC}" type="datetimeFigureOut">
               <a:rPr lang="en-US" smtClean="0"/>
-              <a:t>3/24/2019</a:t>
+              <a:t>4/1/2019</a:t>
             </a:fld>
             <a:endParaRPr lang="en-US"/>
           </a:p>
@@ -5307,7 +5308,7 @@
           <a:p>
             <a:fld id="{57E1E2ED-4B90-4C0C-B0DE-D33A7E89E0CC}" type="datetimeFigureOut">
               <a:rPr lang="en-US" smtClean="0"/>
-              <a:t>3/24/2019</a:t>
+              <a:t>4/1/2019</a:t>
             </a:fld>
             <a:endParaRPr lang="en-US"/>
           </a:p>
@@ -5977,7 +5978,7 @@
             </a:pPr>
             <a:r>
               <a:rPr lang="en-US" dirty="0"/>
-              <a:t>My project is helps to solve the problem for searching the suitable home for people. </a:t>
+              <a:t>House booking system is an application that enables to search great new deals on houses, flats and in other various properties. Properties can be searched from anywhere at any time. </a:t>
             </a:r>
           </a:p>
           <a:p>
@@ -5992,27 +5993,13 @@
             </a:pPr>
             <a:r>
               <a:rPr lang="en-US" dirty="0"/>
-              <a:t>This application consists the list of properties which can be rented. Searching the property according to preferred location, cost can be helpful.</a:t>
+              <a:t>Its is just not limited to booking of houses but other properties also.</a:t>
             </a:r>
           </a:p>
           <a:p>
             <a:pPr marL="0" indent="0">
               <a:buNone/>
             </a:pPr>
-            <a:endParaRPr lang="en-US" dirty="0"/>
-          </a:p>
-          <a:p>
-            <a:pPr marL="0" indent="0">
-              <a:buNone/>
-            </a:pPr>
-            <a:r>
-              <a:rPr lang="en-US" dirty="0"/>
-              <a:t>In short this application will help you to add your property listing or view added property </a:t>
-            </a:r>
-            <a:r>
-              <a:rPr lang="en-US"/>
-              <a:t>by other users.</a:t>
-            </a:r>
             <a:endParaRPr lang="en-US" dirty="0"/>
           </a:p>
         </p:txBody>
@@ -6070,12 +6057,8 @@
           <a:p>
             <a:r>
               <a:rPr lang="en-US" dirty="0"/>
-              <a:t>Aims</a:t>
-            </a:r>
-            <a:br>
-              <a:rPr lang="en-US" dirty="0"/>
-            </a:br>
-            <a:endParaRPr lang="en-US" dirty="0"/>
+              <a:t>Problem statement</a:t>
+            </a:r>
           </a:p>
         </p:txBody>
       </p:sp>
@@ -6105,7 +6088,7 @@
             </a:pPr>
             <a:r>
               <a:rPr lang="en-US" dirty="0"/>
-              <a:t>It’s very challenging and time consuming to find the properties </a:t>
+              <a:t>This project will definitely minimize the old ways of searching the properties.</a:t>
             </a:r>
           </a:p>
           <a:p>
@@ -6114,7 +6097,7 @@
             </a:pPr>
             <a:r>
               <a:rPr lang="en-US" dirty="0"/>
-              <a:t>Explain??</a:t>
+              <a:t> </a:t>
             </a:r>
           </a:p>
         </p:txBody>
@@ -6123,6 +6106,125 @@
     <p:extLst>
       <p:ext uri="{BB962C8B-B14F-4D97-AF65-F5344CB8AC3E}">
         <p14:creationId xmlns:p14="http://schemas.microsoft.com/office/powerpoint/2010/main" val="2871434127"/>
+      </p:ext>
+    </p:extLst>
+  </p:cSld>
+  <p:clrMapOvr>
+    <a:masterClrMapping/>
+  </p:clrMapOvr>
+</p:sld>
+</file>
+
+<file path=ppt/slides/slide4.xml><?xml version="1.0" encoding="utf-8"?>
+<p:sld xmlns:a="http://schemas.openxmlformats.org/drawingml/2006/main" xmlns:r="http://schemas.openxmlformats.org/officeDocument/2006/relationships" xmlns:p="http://schemas.openxmlformats.org/presentationml/2006/main">
+  <p:cSld>
+    <p:spTree>
+      <p:nvGrpSpPr>
+        <p:cNvPr id="1" name=""/>
+        <p:cNvGrpSpPr/>
+        <p:nvPr/>
+      </p:nvGrpSpPr>
+      <p:grpSpPr>
+        <a:xfrm>
+          <a:off x="0" y="0"/>
+          <a:ext cx="0" cy="0"/>
+          <a:chOff x="0" y="0"/>
+          <a:chExt cx="0" cy="0"/>
+        </a:xfrm>
+      </p:grpSpPr>
+      <p:sp>
+        <p:nvSpPr>
+          <p:cNvPr id="2" name="Title 1">
+            <a:extLst>
+              <a:ext uri="{FF2B5EF4-FFF2-40B4-BE49-F238E27FC236}">
+                <a16:creationId xmlns:a16="http://schemas.microsoft.com/office/drawing/2014/main" id="{340CB4A8-D578-48E6-9533-0D68618F4E76}"/>
+              </a:ext>
+            </a:extLst>
+          </p:cNvPr>
+          <p:cNvSpPr>
+            <a:spLocks noGrp="1"/>
+          </p:cNvSpPr>
+          <p:nvPr>
+            <p:ph type="title"/>
+          </p:nvPr>
+        </p:nvSpPr>
+        <p:spPr/>
+        <p:txBody>
+          <a:bodyPr/>
+          <a:lstStyle/>
+          <a:p>
+            <a:endParaRPr lang="en-US"/>
+          </a:p>
+        </p:txBody>
+      </p:sp>
+      <p:sp>
+        <p:nvSpPr>
+          <p:cNvPr id="3" name="Content Placeholder 2">
+            <a:extLst>
+              <a:ext uri="{FF2B5EF4-FFF2-40B4-BE49-F238E27FC236}">
+                <a16:creationId xmlns:a16="http://schemas.microsoft.com/office/drawing/2014/main" id="{11963D5D-7513-446A-9313-C9D21B282129}"/>
+              </a:ext>
+            </a:extLst>
+          </p:cNvPr>
+          <p:cNvSpPr>
+            <a:spLocks noGrp="1"/>
+          </p:cNvSpPr>
+          <p:nvPr>
+            <p:ph idx="1"/>
+          </p:nvPr>
+        </p:nvSpPr>
+        <p:spPr/>
+        <p:txBody>
+          <a:bodyPr/>
+          <a:lstStyle/>
+          <a:p>
+            <a:pPr marL="0" indent="0">
+              <a:buNone/>
+            </a:pPr>
+            <a:r>
+              <a:rPr lang="en-US" dirty="0"/>
+              <a:t>My project is helps to solve the problem for searching the suitable home for people. </a:t>
+            </a:r>
+          </a:p>
+          <a:p>
+            <a:pPr marL="0" indent="0">
+              <a:buNone/>
+            </a:pPr>
+            <a:endParaRPr lang="en-US" dirty="0"/>
+          </a:p>
+          <a:p>
+            <a:pPr marL="0" indent="0">
+              <a:buNone/>
+            </a:pPr>
+            <a:r>
+              <a:rPr lang="en-US" dirty="0"/>
+              <a:t>This application consists the list of properties which can be rented. Searching the property according to preferred location, cost can be helpful.</a:t>
+            </a:r>
+          </a:p>
+          <a:p>
+            <a:pPr marL="0" indent="0">
+              <a:buNone/>
+            </a:pPr>
+            <a:endParaRPr lang="en-US" dirty="0"/>
+          </a:p>
+          <a:p>
+            <a:pPr marL="0" indent="0">
+              <a:buNone/>
+            </a:pPr>
+            <a:r>
+              <a:rPr lang="en-US" dirty="0"/>
+              <a:t>In short this application will help you to add your property listing or view added property by other users.</a:t>
+            </a:r>
+          </a:p>
+          <a:p>
+            <a:endParaRPr lang="en-US" dirty="0"/>
+          </a:p>
+        </p:txBody>
+      </p:sp>
+    </p:spTree>
+    <p:extLst>
+      <p:ext uri="{BB962C8B-B14F-4D97-AF65-F5344CB8AC3E}">
+        <p14:creationId xmlns:p14="http://schemas.microsoft.com/office/powerpoint/2010/main" val="3151053852"/>
       </p:ext>
     </p:extLst>
   </p:cSld>
